--- a/modules/MgmntIQs/READINGS_Halibut.pptx
+++ b/modules/MgmntIQs/READINGS_Halibut.pptx
@@ -218,7 +218,7 @@
           <a:p>
             <a:fld id="{84A349C6-5C13-49B4-896F-2B977FF37CED}" type="datetimeFigureOut">
               <a:rPr lang="en-US" smtClean="0"/>
-              <a:t>4/2/2016</a:t>
+              <a:t>4/6/2018</a:t>
             </a:fld>
             <a:endParaRPr lang="en-US"/>
           </a:p>
@@ -617,7 +617,7 @@
           <a:p>
             <a:fld id="{07A46C8F-DB9C-4B91-A1F1-A860256637FA}" type="datetimeFigureOut">
               <a:rPr lang="en-US" smtClean="0"/>
-              <a:t>4/2/2016</a:t>
+              <a:t>4/6/2018</a:t>
             </a:fld>
             <a:endParaRPr lang="en-US"/>
           </a:p>
@@ -787,7 +787,7 @@
           <a:p>
             <a:fld id="{07A46C8F-DB9C-4B91-A1F1-A860256637FA}" type="datetimeFigureOut">
               <a:rPr lang="en-US" smtClean="0"/>
-              <a:t>4/2/2016</a:t>
+              <a:t>4/6/2018</a:t>
             </a:fld>
             <a:endParaRPr lang="en-US"/>
           </a:p>
@@ -967,7 +967,7 @@
           <a:p>
             <a:fld id="{07A46C8F-DB9C-4B91-A1F1-A860256637FA}" type="datetimeFigureOut">
               <a:rPr lang="en-US" smtClean="0"/>
-              <a:t>4/2/2016</a:t>
+              <a:t>4/6/2018</a:t>
             </a:fld>
             <a:endParaRPr lang="en-US"/>
           </a:p>
@@ -1137,7 +1137,7 @@
           <a:p>
             <a:fld id="{07A46C8F-DB9C-4B91-A1F1-A860256637FA}" type="datetimeFigureOut">
               <a:rPr lang="en-US" smtClean="0"/>
-              <a:t>4/2/2016</a:t>
+              <a:t>4/6/2018</a:t>
             </a:fld>
             <a:endParaRPr lang="en-US"/>
           </a:p>
@@ -1381,7 +1381,7 @@
           <a:p>
             <a:fld id="{07A46C8F-DB9C-4B91-A1F1-A860256637FA}" type="datetimeFigureOut">
               <a:rPr lang="en-US" smtClean="0"/>
-              <a:t>4/2/2016</a:t>
+              <a:t>4/6/2018</a:t>
             </a:fld>
             <a:endParaRPr lang="en-US"/>
           </a:p>
@@ -1613,7 +1613,7 @@
           <a:p>
             <a:fld id="{07A46C8F-DB9C-4B91-A1F1-A860256637FA}" type="datetimeFigureOut">
               <a:rPr lang="en-US" smtClean="0"/>
-              <a:t>4/2/2016</a:t>
+              <a:t>4/6/2018</a:t>
             </a:fld>
             <a:endParaRPr lang="en-US"/>
           </a:p>
@@ -1980,7 +1980,7 @@
           <a:p>
             <a:fld id="{07A46C8F-DB9C-4B91-A1F1-A860256637FA}" type="datetimeFigureOut">
               <a:rPr lang="en-US" smtClean="0"/>
-              <a:t>4/2/2016</a:t>
+              <a:t>4/6/2018</a:t>
             </a:fld>
             <a:endParaRPr lang="en-US"/>
           </a:p>
@@ -2098,7 +2098,7 @@
           <a:p>
             <a:fld id="{07A46C8F-DB9C-4B91-A1F1-A860256637FA}" type="datetimeFigureOut">
               <a:rPr lang="en-US" smtClean="0"/>
-              <a:t>4/2/2016</a:t>
+              <a:t>4/6/2018</a:t>
             </a:fld>
             <a:endParaRPr lang="en-US"/>
           </a:p>
@@ -2193,7 +2193,7 @@
           <a:p>
             <a:fld id="{07A46C8F-DB9C-4B91-A1F1-A860256637FA}" type="datetimeFigureOut">
               <a:rPr lang="en-US" smtClean="0"/>
-              <a:t>4/2/2016</a:t>
+              <a:t>4/6/2018</a:t>
             </a:fld>
             <a:endParaRPr lang="en-US"/>
           </a:p>
@@ -2470,7 +2470,7 @@
           <a:p>
             <a:fld id="{07A46C8F-DB9C-4B91-A1F1-A860256637FA}" type="datetimeFigureOut">
               <a:rPr lang="en-US" smtClean="0"/>
-              <a:t>4/2/2016</a:t>
+              <a:t>4/6/2018</a:t>
             </a:fld>
             <a:endParaRPr lang="en-US"/>
           </a:p>
@@ -2727,7 +2727,7 @@
           <a:p>
             <a:fld id="{07A46C8F-DB9C-4B91-A1F1-A860256637FA}" type="datetimeFigureOut">
               <a:rPr lang="en-US" smtClean="0"/>
-              <a:t>4/2/2016</a:t>
+              <a:t>4/6/2018</a:t>
             </a:fld>
             <a:endParaRPr lang="en-US"/>
           </a:p>
@@ -2940,7 +2940,7 @@
           <a:p>
             <a:fld id="{07A46C8F-DB9C-4B91-A1F1-A860256637FA}" type="datetimeFigureOut">
               <a:rPr lang="en-US" smtClean="0"/>
-              <a:t>4/2/2016</a:t>
+              <a:t>4/6/2018</a:t>
             </a:fld>
             <a:endParaRPr lang="en-US"/>
           </a:p>
@@ -3717,6 +3717,47 @@
           </a:prstGeom>
         </p:spPr>
       </p:pic>
+      <p:pic>
+        <p:nvPicPr>
+          <p:cNvPr id="6" name="Picture 2" descr="http://ww3.hdnux.com/photos/02/32/71/634450/3/920x920.jpg"/>
+          <p:cNvPicPr>
+            <a:picLocks noChangeAspect="1" noChangeArrowheads="1"/>
+          </p:cNvPicPr>
+          <p:nvPr/>
+        </p:nvPicPr>
+        <p:blipFill>
+          <a:blip r:embed="rId3" cstate="print">
+            <a:extLst>
+              <a:ext uri="{28A0092B-C50C-407E-A947-70E740481C1C}">
+                <a14:useLocalDpi xmlns:a14="http://schemas.microsoft.com/office/drawing/2010/main" val="0"/>
+              </a:ext>
+            </a:extLst>
+          </a:blip>
+          <a:srcRect/>
+          <a:stretch>
+            <a:fillRect/>
+          </a:stretch>
+        </p:blipFill>
+        <p:spPr bwMode="auto">
+          <a:xfrm>
+            <a:off x="8265783" y="0"/>
+            <a:ext cx="878217" cy="747346"/>
+          </a:xfrm>
+          <a:prstGeom prst="rect">
+            <a:avLst/>
+          </a:prstGeom>
+          <a:noFill/>
+          <a:extLst>
+            <a:ext uri="{909E8E84-426E-40DD-AFC4-6F175D3DCCD1}">
+              <a14:hiddenFill xmlns:a14="http://schemas.microsoft.com/office/drawing/2010/main">
+                <a:solidFill>
+                  <a:srgbClr val="FFFFFF"/>
+                </a:solidFill>
+              </a14:hiddenFill>
+            </a:ext>
+          </a:extLst>
+        </p:spPr>
+      </p:pic>
     </p:spTree>
     <p:extLst>
       <p:ext uri="{BB962C8B-B14F-4D97-AF65-F5344CB8AC3E}">
@@ -3778,11 +3819,7 @@
           <a:p>
             <a:r>
               <a:rPr lang="en-US" dirty="0" smtClean="0"/>
-              <a:t>Canadian Halibut Fishery </a:t>
-            </a:r>
-            <a:r>
-              <a:rPr lang="en-US" dirty="0" smtClean="0"/>
-              <a:t>– Summary</a:t>
+              <a:t>Canadian Halibut Fishery – Summary</a:t>
             </a:r>
             <a:endParaRPr lang="en-US" dirty="0"/>
           </a:p>
@@ -3812,15 +3849,7 @@
           <a:p>
             <a:r>
               <a:rPr lang="en-US" dirty="0" smtClean="0"/>
-              <a:t>TAC </a:t>
-            </a:r>
-            <a:r>
-              <a:rPr lang="en-US" dirty="0" smtClean="0"/>
-              <a:t>has </a:t>
-            </a:r>
-            <a:r>
-              <a:rPr lang="en-US" dirty="0" smtClean="0"/>
-              <a:t>been exceeded less (often and percentage)</a:t>
+              <a:t>TAC has been exceeded less (often and percentage)</a:t>
             </a:r>
           </a:p>
           <a:p>
@@ -3828,16 +3857,11 @@
               <a:rPr lang="en-US" dirty="0" smtClean="0"/>
               <a:t>Longer season, better product</a:t>
             </a:r>
-            <a:endParaRPr lang="en-US" dirty="0" smtClean="0"/>
           </a:p>
           <a:p>
             <a:r>
               <a:rPr lang="en-US" dirty="0" smtClean="0"/>
-              <a:t>$/kg </a:t>
-            </a:r>
-            <a:r>
-              <a:rPr lang="en-US" dirty="0" smtClean="0"/>
-              <a:t>increased, total revenues increased</a:t>
+              <a:t>$/kg increased, total revenues increased</a:t>
             </a:r>
           </a:p>
           <a:p>
@@ -4441,6 +4465,47 @@
           </a:p>
         </p:txBody>
       </p:sp>
+      <p:pic>
+        <p:nvPicPr>
+          <p:cNvPr id="4" name="Picture 2" descr="http://ww3.hdnux.com/photos/02/32/71/634450/3/920x920.jpg"/>
+          <p:cNvPicPr>
+            <a:picLocks noChangeAspect="1" noChangeArrowheads="1"/>
+          </p:cNvPicPr>
+          <p:nvPr/>
+        </p:nvPicPr>
+        <p:blipFill>
+          <a:blip r:embed="rId2" cstate="print">
+            <a:extLst>
+              <a:ext uri="{28A0092B-C50C-407E-A947-70E740481C1C}">
+                <a14:useLocalDpi xmlns:a14="http://schemas.microsoft.com/office/drawing/2010/main" val="0"/>
+              </a:ext>
+            </a:extLst>
+          </a:blip>
+          <a:srcRect/>
+          <a:stretch>
+            <a:fillRect/>
+          </a:stretch>
+        </p:blipFill>
+        <p:spPr bwMode="auto">
+          <a:xfrm>
+            <a:off x="8265783" y="0"/>
+            <a:ext cx="878217" cy="747346"/>
+          </a:xfrm>
+          <a:prstGeom prst="rect">
+            <a:avLst/>
+          </a:prstGeom>
+          <a:noFill/>
+          <a:extLst>
+            <a:ext uri="{909E8E84-426E-40DD-AFC4-6F175D3DCCD1}">
+              <a14:hiddenFill xmlns:a14="http://schemas.microsoft.com/office/drawing/2010/main">
+                <a:solidFill>
+                  <a:srgbClr val="FFFFFF"/>
+                </a:solidFill>
+              </a14:hiddenFill>
+            </a:ext>
+          </a:extLst>
+        </p:spPr>
+      </p:pic>
     </p:spTree>
     <p:extLst>
       <p:ext uri="{BB962C8B-B14F-4D97-AF65-F5344CB8AC3E}">
@@ -4956,7 +5021,15 @@
             <a:pPr lvl="1"/>
             <a:r>
               <a:rPr lang="en-US" dirty="0" smtClean="0"/>
-              <a:t>Harvests exceed the TAC, fear of collapse</a:t>
+              <a:t>Harvests </a:t>
+            </a:r>
+            <a:r>
+              <a:rPr lang="en-US" dirty="0" smtClean="0"/>
+              <a:t>exceeded </a:t>
+            </a:r>
+            <a:r>
+              <a:rPr lang="en-US" dirty="0" smtClean="0"/>
+              <a:t>the TAC, fear of collapse</a:t>
             </a:r>
           </a:p>
           <a:p>
@@ -4986,6 +5059,47 @@
           </a:p>
         </p:txBody>
       </p:sp>
+      <p:pic>
+        <p:nvPicPr>
+          <p:cNvPr id="4" name="Picture 2" descr="http://ww3.hdnux.com/photos/02/32/71/634450/3/920x920.jpg"/>
+          <p:cNvPicPr>
+            <a:picLocks noChangeAspect="1" noChangeArrowheads="1"/>
+          </p:cNvPicPr>
+          <p:nvPr/>
+        </p:nvPicPr>
+        <p:blipFill>
+          <a:blip r:embed="rId2" cstate="print">
+            <a:extLst>
+              <a:ext uri="{28A0092B-C50C-407E-A947-70E740481C1C}">
+                <a14:useLocalDpi xmlns:a14="http://schemas.microsoft.com/office/drawing/2010/main" val="0"/>
+              </a:ext>
+            </a:extLst>
+          </a:blip>
+          <a:srcRect/>
+          <a:stretch>
+            <a:fillRect/>
+          </a:stretch>
+        </p:blipFill>
+        <p:spPr bwMode="auto">
+          <a:xfrm>
+            <a:off x="8265783" y="0"/>
+            <a:ext cx="878217" cy="747346"/>
+          </a:xfrm>
+          <a:prstGeom prst="rect">
+            <a:avLst/>
+          </a:prstGeom>
+          <a:noFill/>
+          <a:extLst>
+            <a:ext uri="{909E8E84-426E-40DD-AFC4-6F175D3DCCD1}">
+              <a14:hiddenFill xmlns:a14="http://schemas.microsoft.com/office/drawing/2010/main">
+                <a:solidFill>
+                  <a:srgbClr val="FFFFFF"/>
+                </a:solidFill>
+              </a14:hiddenFill>
+            </a:ext>
+          </a:extLst>
+        </p:spPr>
+      </p:pic>
     </p:spTree>
     <p:extLst>
       <p:ext uri="{BB962C8B-B14F-4D97-AF65-F5344CB8AC3E}">
@@ -5441,14 +5555,14 @@
       </p:sp>
       <p:pic>
         <p:nvPicPr>
-          <p:cNvPr id="2050" name="Picture 2" descr="https://encrypted-tbn2.gstatic.com/images?q=tbn:ANd9GcSvVwOfQ7bD5rrDcMPA1LMk7r2Uz9hMoPNT4IE20TjLJ8bCta1OMw"/>
+          <p:cNvPr id="5" name="Picture 2" descr="http://ww3.hdnux.com/photos/02/32/71/634450/3/920x920.jpg"/>
           <p:cNvPicPr>
             <a:picLocks noChangeAspect="1" noChangeArrowheads="1"/>
           </p:cNvPicPr>
           <p:nvPr/>
         </p:nvPicPr>
         <p:blipFill>
-          <a:blip r:embed="rId2">
+          <a:blip r:embed="rId2" cstate="print">
             <a:extLst>
               <a:ext uri="{28A0092B-C50C-407E-A947-70E740481C1C}">
                 <a14:useLocalDpi xmlns:a14="http://schemas.microsoft.com/office/drawing/2010/main" val="0"/>
@@ -5462,8 +5576,8 @@
         </p:blipFill>
         <p:spPr bwMode="auto">
           <a:xfrm>
-            <a:off x="8002485" y="2825"/>
-            <a:ext cx="1141515" cy="1058229"/>
+            <a:off x="8265783" y="0"/>
+            <a:ext cx="878217" cy="747346"/>
           </a:xfrm>
           <a:prstGeom prst="rect">
             <a:avLst/>
@@ -5920,6 +6034,47 @@
           </a:p>
         </p:txBody>
       </p:sp>
+      <p:pic>
+        <p:nvPicPr>
+          <p:cNvPr id="6" name="Picture 2" descr="http://ww3.hdnux.com/photos/02/32/71/634450/3/920x920.jpg"/>
+          <p:cNvPicPr>
+            <a:picLocks noChangeAspect="1" noChangeArrowheads="1"/>
+          </p:cNvPicPr>
+          <p:nvPr/>
+        </p:nvPicPr>
+        <p:blipFill>
+          <a:blip r:embed="rId3" cstate="print">
+            <a:extLst>
+              <a:ext uri="{28A0092B-C50C-407E-A947-70E740481C1C}">
+                <a14:useLocalDpi xmlns:a14="http://schemas.microsoft.com/office/drawing/2010/main" val="0"/>
+              </a:ext>
+            </a:extLst>
+          </a:blip>
+          <a:srcRect/>
+          <a:stretch>
+            <a:fillRect/>
+          </a:stretch>
+        </p:blipFill>
+        <p:spPr bwMode="auto">
+          <a:xfrm>
+            <a:off x="8265783" y="0"/>
+            <a:ext cx="878217" cy="747346"/>
+          </a:xfrm>
+          <a:prstGeom prst="rect">
+            <a:avLst/>
+          </a:prstGeom>
+          <a:noFill/>
+          <a:extLst>
+            <a:ext uri="{909E8E84-426E-40DD-AFC4-6F175D3DCCD1}">
+              <a14:hiddenFill xmlns:a14="http://schemas.microsoft.com/office/drawing/2010/main">
+                <a:solidFill>
+                  <a:srgbClr val="FFFFFF"/>
+                </a:solidFill>
+              </a14:hiddenFill>
+            </a:ext>
+          </a:extLst>
+        </p:spPr>
+      </p:pic>
     </p:spTree>
     <p:extLst>
       <p:ext uri="{BB962C8B-B14F-4D97-AF65-F5344CB8AC3E}">
@@ -6143,6 +6298,47 @@
           </a:p>
         </p:txBody>
       </p:sp>
+      <p:pic>
+        <p:nvPicPr>
+          <p:cNvPr id="6" name="Picture 2" descr="http://ww3.hdnux.com/photos/02/32/71/634450/3/920x920.jpg"/>
+          <p:cNvPicPr>
+            <a:picLocks noChangeAspect="1" noChangeArrowheads="1"/>
+          </p:cNvPicPr>
+          <p:nvPr/>
+        </p:nvPicPr>
+        <p:blipFill>
+          <a:blip r:embed="rId3" cstate="print">
+            <a:extLst>
+              <a:ext uri="{28A0092B-C50C-407E-A947-70E740481C1C}">
+                <a14:useLocalDpi xmlns:a14="http://schemas.microsoft.com/office/drawing/2010/main" val="0"/>
+              </a:ext>
+            </a:extLst>
+          </a:blip>
+          <a:srcRect/>
+          <a:stretch>
+            <a:fillRect/>
+          </a:stretch>
+        </p:blipFill>
+        <p:spPr bwMode="auto">
+          <a:xfrm>
+            <a:off x="8265783" y="0"/>
+            <a:ext cx="878217" cy="747346"/>
+          </a:xfrm>
+          <a:prstGeom prst="rect">
+            <a:avLst/>
+          </a:prstGeom>
+          <a:noFill/>
+          <a:extLst>
+            <a:ext uri="{909E8E84-426E-40DD-AFC4-6F175D3DCCD1}">
+              <a14:hiddenFill xmlns:a14="http://schemas.microsoft.com/office/drawing/2010/main">
+                <a:solidFill>
+                  <a:srgbClr val="FFFFFF"/>
+                </a:solidFill>
+              </a14:hiddenFill>
+            </a:ext>
+          </a:extLst>
+        </p:spPr>
+      </p:pic>
     </p:spTree>
     <p:extLst>
       <p:ext uri="{BB962C8B-B14F-4D97-AF65-F5344CB8AC3E}">
@@ -6366,6 +6562,47 @@
           </a:p>
         </p:txBody>
       </p:sp>
+      <p:pic>
+        <p:nvPicPr>
+          <p:cNvPr id="6" name="Picture 2" descr="http://ww3.hdnux.com/photos/02/32/71/634450/3/920x920.jpg"/>
+          <p:cNvPicPr>
+            <a:picLocks noChangeAspect="1" noChangeArrowheads="1"/>
+          </p:cNvPicPr>
+          <p:nvPr/>
+        </p:nvPicPr>
+        <p:blipFill>
+          <a:blip r:embed="rId3" cstate="print">
+            <a:extLst>
+              <a:ext uri="{28A0092B-C50C-407E-A947-70E740481C1C}">
+                <a14:useLocalDpi xmlns:a14="http://schemas.microsoft.com/office/drawing/2010/main" val="0"/>
+              </a:ext>
+            </a:extLst>
+          </a:blip>
+          <a:srcRect/>
+          <a:stretch>
+            <a:fillRect/>
+          </a:stretch>
+        </p:blipFill>
+        <p:spPr bwMode="auto">
+          <a:xfrm>
+            <a:off x="8265783" y="0"/>
+            <a:ext cx="878217" cy="747346"/>
+          </a:xfrm>
+          <a:prstGeom prst="rect">
+            <a:avLst/>
+          </a:prstGeom>
+          <a:noFill/>
+          <a:extLst>
+            <a:ext uri="{909E8E84-426E-40DD-AFC4-6F175D3DCCD1}">
+              <a14:hiddenFill xmlns:a14="http://schemas.microsoft.com/office/drawing/2010/main">
+                <a:solidFill>
+                  <a:srgbClr val="FFFFFF"/>
+                </a:solidFill>
+              </a14:hiddenFill>
+            </a:ext>
+          </a:extLst>
+        </p:spPr>
+      </p:pic>
     </p:spTree>
     <p:extLst>
       <p:ext uri="{BB962C8B-B14F-4D97-AF65-F5344CB8AC3E}">
@@ -6589,6 +6826,47 @@
           </a:p>
         </p:txBody>
       </p:sp>
+      <p:pic>
+        <p:nvPicPr>
+          <p:cNvPr id="6" name="Picture 2" descr="http://ww3.hdnux.com/photos/02/32/71/634450/3/920x920.jpg"/>
+          <p:cNvPicPr>
+            <a:picLocks noChangeAspect="1" noChangeArrowheads="1"/>
+          </p:cNvPicPr>
+          <p:nvPr/>
+        </p:nvPicPr>
+        <p:blipFill>
+          <a:blip r:embed="rId3" cstate="print">
+            <a:extLst>
+              <a:ext uri="{28A0092B-C50C-407E-A947-70E740481C1C}">
+                <a14:useLocalDpi xmlns:a14="http://schemas.microsoft.com/office/drawing/2010/main" val="0"/>
+              </a:ext>
+            </a:extLst>
+          </a:blip>
+          <a:srcRect/>
+          <a:stretch>
+            <a:fillRect/>
+          </a:stretch>
+        </p:blipFill>
+        <p:spPr bwMode="auto">
+          <a:xfrm>
+            <a:off x="8265783" y="0"/>
+            <a:ext cx="878217" cy="747346"/>
+          </a:xfrm>
+          <a:prstGeom prst="rect">
+            <a:avLst/>
+          </a:prstGeom>
+          <a:noFill/>
+          <a:extLst>
+            <a:ext uri="{909E8E84-426E-40DD-AFC4-6F175D3DCCD1}">
+              <a14:hiddenFill xmlns:a14="http://schemas.microsoft.com/office/drawing/2010/main">
+                <a:solidFill>
+                  <a:srgbClr val="FFFFFF"/>
+                </a:solidFill>
+              </a14:hiddenFill>
+            </a:ext>
+          </a:extLst>
+        </p:spPr>
+      </p:pic>
     </p:spTree>
     <p:extLst>
       <p:ext uri="{BB962C8B-B14F-4D97-AF65-F5344CB8AC3E}">
